--- a/doc/task09/2016-05-09-Task_09.pptx
+++ b/doc/task09/2016-05-09-Task_09.pptx
@@ -692,6 +692,919 @@
     </a:lvl9pPr>
   </p:notesStyle>
 </p:notesMaster>
+</file>
+
+<file path=ppt/notesSlides/notesSlide1.xml><?xml version="1.0" encoding="utf-8"?>
+<p:notes xmlns:a="http://schemas.openxmlformats.org/drawingml/2006/main" xmlns:r="http://schemas.openxmlformats.org/officeDocument/2006/relationships" xmlns:p="http://schemas.openxmlformats.org/presentationml/2006/main">
+  <p:cSld>
+    <p:spTree>
+      <p:nvGrpSpPr>
+        <p:cNvPr id="1" name=""/>
+        <p:cNvGrpSpPr/>
+        <p:nvPr/>
+      </p:nvGrpSpPr>
+      <p:grpSpPr>
+        <a:xfrm>
+          <a:off x="0" y="0"/>
+          <a:ext cx="0" cy="0"/>
+          <a:chOff x="0" y="0"/>
+          <a:chExt cx="0" cy="0"/>
+        </a:xfrm>
+      </p:grpSpPr>
+      <p:sp>
+        <p:nvSpPr>
+          <p:cNvPr id="2" name="Slide Image Placeholder 1"/>
+          <p:cNvSpPr>
+            <a:spLocks noGrp="1" noRot="1" noChangeAspect="1"/>
+          </p:cNvSpPr>
+          <p:nvPr>
+            <p:ph type="sldImg"/>
+          </p:nvPr>
+        </p:nvSpPr>
+        <p:spPr/>
+      </p:sp>
+      <p:sp>
+        <p:nvSpPr>
+          <p:cNvPr id="3" name="Notes Placeholder 2"/>
+          <p:cNvSpPr>
+            <a:spLocks noGrp="1"/>
+          </p:cNvSpPr>
+          <p:nvPr>
+            <p:ph type="body" idx="1"/>
+          </p:nvPr>
+        </p:nvSpPr>
+        <p:spPr/>
+        <p:txBody>
+          <a:bodyPr/>
+          <a:lstStyle/>
+          <a:p>
+            <a:r>
+              <a:rPr lang="en-US" dirty="0"/>
+              <a:t>Hallo </a:t>
+            </a:r>
+            <a:r>
+              <a:rPr lang="en-US" dirty="0" err="1"/>
+              <a:t>Mittenand</a:t>
+            </a:r>
+            <a:r>
+              <a:rPr lang="en-US" dirty="0"/>
+              <a:t>,</a:t>
+            </a:r>
+          </a:p>
+          <a:p>
+            <a:r>
+              <a:rPr lang="en-US" dirty="0" err="1"/>
+              <a:t>Heute</a:t>
+            </a:r>
+            <a:r>
+              <a:rPr lang="en-US" baseline="0" dirty="0"/>
+              <a:t> </a:t>
+            </a:r>
+            <a:r>
+              <a:rPr lang="en-US" baseline="0" dirty="0" err="1"/>
+              <a:t>presentiere</a:t>
+            </a:r>
+            <a:r>
+              <a:rPr lang="en-US" baseline="0" dirty="0"/>
+              <a:t> </a:t>
+            </a:r>
+            <a:r>
+              <a:rPr lang="en-US" baseline="0" dirty="0" err="1"/>
+              <a:t>ich</a:t>
+            </a:r>
+            <a:r>
+              <a:rPr lang="en-US" baseline="0" dirty="0"/>
+              <a:t> </a:t>
+            </a:r>
+            <a:r>
+              <a:rPr lang="en-US" baseline="0" dirty="0" err="1"/>
+              <a:t>unseres</a:t>
+            </a:r>
+            <a:r>
+              <a:rPr lang="en-US" baseline="0" dirty="0"/>
+              <a:t> </a:t>
+            </a:r>
+            <a:r>
+              <a:rPr lang="en-US" baseline="0" dirty="0" err="1"/>
+              <a:t>Applikationskonzept</a:t>
+            </a:r>
+            <a:endParaRPr lang="en-US" baseline="0" dirty="0"/>
+          </a:p>
+          <a:p>
+            <a:endParaRPr lang="en-US" dirty="0"/>
+          </a:p>
+        </p:txBody>
+      </p:sp>
+      <p:sp>
+        <p:nvSpPr>
+          <p:cNvPr id="4" name="Slide Number Placeholder 3"/>
+          <p:cNvSpPr>
+            <a:spLocks noGrp="1"/>
+          </p:cNvSpPr>
+          <p:nvPr>
+            <p:ph type="sldNum" sz="quarter" idx="10"/>
+          </p:nvPr>
+        </p:nvSpPr>
+        <p:spPr/>
+        <p:txBody>
+          <a:bodyPr/>
+          <a:lstStyle/>
+          <a:p>
+            <a:fld id="{37E44704-8E6D-4CF2-8CFA-A0F7BC751896}" type="slidenum">
+              <a:rPr lang="de-CH" smtClean="0"/>
+              <a:t>1</a:t>
+            </a:fld>
+            <a:endParaRPr lang="de-CH"/>
+          </a:p>
+        </p:txBody>
+      </p:sp>
+    </p:spTree>
+    <p:extLst>
+      <p:ext uri="{BB962C8B-B14F-4D97-AF65-F5344CB8AC3E}">
+        <p14:creationId xmlns:p14="http://schemas.microsoft.com/office/powerpoint/2010/main" val="3202322119"/>
+      </p:ext>
+    </p:extLst>
+  </p:cSld>
+  <p:clrMapOvr>
+    <a:masterClrMapping/>
+  </p:clrMapOvr>
+</p:notes>
+</file>
+
+<file path=ppt/notesSlides/notesSlide2.xml><?xml version="1.0" encoding="utf-8"?>
+<p:notes xmlns:a="http://schemas.openxmlformats.org/drawingml/2006/main" xmlns:r="http://schemas.openxmlformats.org/officeDocument/2006/relationships" xmlns:p="http://schemas.openxmlformats.org/presentationml/2006/main">
+  <p:cSld>
+    <p:spTree>
+      <p:nvGrpSpPr>
+        <p:cNvPr id="1" name=""/>
+        <p:cNvGrpSpPr/>
+        <p:nvPr/>
+      </p:nvGrpSpPr>
+      <p:grpSpPr>
+        <a:xfrm>
+          <a:off x="0" y="0"/>
+          <a:ext cx="0" cy="0"/>
+          <a:chOff x="0" y="0"/>
+          <a:chExt cx="0" cy="0"/>
+        </a:xfrm>
+      </p:grpSpPr>
+      <p:sp>
+        <p:nvSpPr>
+          <p:cNvPr id="2" name="Slide Image Placeholder 1"/>
+          <p:cNvSpPr>
+            <a:spLocks noGrp="1" noRot="1" noChangeAspect="1"/>
+          </p:cNvSpPr>
+          <p:nvPr>
+            <p:ph type="sldImg"/>
+          </p:nvPr>
+        </p:nvSpPr>
+        <p:spPr/>
+      </p:sp>
+      <p:sp>
+        <p:nvSpPr>
+          <p:cNvPr id="3" name="Notes Placeholder 2"/>
+          <p:cNvSpPr>
+            <a:spLocks noGrp="1"/>
+          </p:cNvSpPr>
+          <p:nvPr>
+            <p:ph type="body" idx="1"/>
+          </p:nvPr>
+        </p:nvSpPr>
+        <p:spPr/>
+        <p:txBody>
+          <a:bodyPr/>
+          <a:lstStyle/>
+          <a:p>
+            <a:r>
+              <a:rPr lang="de-CH" dirty="0"/>
+              <a:t>Wir habe</a:t>
+            </a:r>
+            <a:r>
+              <a:rPr lang="de-CH" baseline="0" dirty="0"/>
+              <a:t>n MVC </a:t>
+            </a:r>
+            <a:r>
+              <a:rPr lang="de-CH" baseline="0" dirty="0" err="1"/>
+              <a:t>pattern</a:t>
+            </a:r>
+            <a:r>
+              <a:rPr lang="de-CH" baseline="0" dirty="0"/>
+              <a:t> für unsere </a:t>
+            </a:r>
+            <a:r>
+              <a:rPr lang="de-CH" baseline="0" dirty="0" err="1"/>
+              <a:t>Application</a:t>
+            </a:r>
+            <a:r>
+              <a:rPr lang="de-CH" baseline="0" dirty="0"/>
+              <a:t> gewählt</a:t>
+            </a:r>
+          </a:p>
+          <a:p>
+            <a:r>
+              <a:rPr lang="de-CH" dirty="0"/>
+              <a:t>Ein</a:t>
+            </a:r>
+            <a:r>
+              <a:rPr lang="de-CH" baseline="0" dirty="0"/>
+              <a:t> Controller und </a:t>
+            </a:r>
+            <a:r>
+              <a:rPr lang="de-CH" baseline="0" dirty="0" err="1"/>
+              <a:t>mehere</a:t>
+            </a:r>
+            <a:r>
+              <a:rPr lang="de-CH" baseline="0" dirty="0"/>
+              <a:t> </a:t>
+            </a:r>
+            <a:r>
+              <a:rPr lang="de-CH" baseline="0" dirty="0" err="1"/>
+              <a:t>modelle</a:t>
+            </a:r>
+            <a:r>
+              <a:rPr lang="de-CH" baseline="0" dirty="0"/>
+              <a:t> / </a:t>
+            </a:r>
+            <a:r>
+              <a:rPr lang="de-CH" baseline="0" dirty="0" err="1"/>
+              <a:t>views</a:t>
+            </a:r>
+            <a:r>
+              <a:rPr lang="de-CH" baseline="0" dirty="0"/>
+              <a:t> werden … </a:t>
+            </a:r>
+          </a:p>
+          <a:p>
+            <a:r>
+              <a:rPr lang="de-CH" baseline="0" dirty="0"/>
+              <a:t>Noch werden wir </a:t>
+            </a:r>
+            <a:r>
+              <a:rPr lang="de-CH" baseline="0" dirty="0" err="1"/>
+              <a:t>helpers</a:t>
+            </a:r>
+            <a:r>
+              <a:rPr lang="de-CH" baseline="0" dirty="0"/>
+              <a:t> nutzen, die </a:t>
+            </a:r>
+            <a:r>
+              <a:rPr lang="de-CH" baseline="0" dirty="0" err="1"/>
+              <a:t>Authorisierung</a:t>
+            </a:r>
+            <a:r>
+              <a:rPr lang="de-CH" baseline="0" dirty="0"/>
+              <a:t> und Validierung machen sollen</a:t>
+            </a:r>
+          </a:p>
+          <a:p>
+            <a:r>
+              <a:rPr lang="de-CH" baseline="0" dirty="0"/>
+              <a:t>Relational </a:t>
+            </a:r>
+            <a:r>
+              <a:rPr lang="de-CH" baseline="0" dirty="0" err="1"/>
+              <a:t>odere</a:t>
+            </a:r>
+            <a:r>
+              <a:rPr lang="de-CH" baseline="0" dirty="0"/>
+              <a:t> </a:t>
+            </a:r>
+            <a:r>
+              <a:rPr lang="de-CH" baseline="0" dirty="0" err="1"/>
+              <a:t>NoSQL</a:t>
+            </a:r>
+            <a:r>
+              <a:rPr lang="de-CH" baseline="0" dirty="0"/>
+              <a:t> Datenbank ist noch die Frage…  </a:t>
+            </a:r>
+            <a:endParaRPr lang="en-US" dirty="0"/>
+          </a:p>
+        </p:txBody>
+      </p:sp>
+      <p:sp>
+        <p:nvSpPr>
+          <p:cNvPr id="4" name="Slide Number Placeholder 3"/>
+          <p:cNvSpPr>
+            <a:spLocks noGrp="1"/>
+          </p:cNvSpPr>
+          <p:nvPr>
+            <p:ph type="sldNum" sz="quarter" idx="10"/>
+          </p:nvPr>
+        </p:nvSpPr>
+        <p:spPr/>
+        <p:txBody>
+          <a:bodyPr/>
+          <a:lstStyle/>
+          <a:p>
+            <a:fld id="{37E44704-8E6D-4CF2-8CFA-A0F7BC751896}" type="slidenum">
+              <a:rPr lang="de-CH" smtClean="0"/>
+              <a:t>2</a:t>
+            </a:fld>
+            <a:endParaRPr lang="de-CH"/>
+          </a:p>
+        </p:txBody>
+      </p:sp>
+    </p:spTree>
+    <p:extLst>
+      <p:ext uri="{BB962C8B-B14F-4D97-AF65-F5344CB8AC3E}">
+        <p14:creationId xmlns:p14="http://schemas.microsoft.com/office/powerpoint/2010/main" val="106143959"/>
+      </p:ext>
+    </p:extLst>
+  </p:cSld>
+  <p:clrMapOvr>
+    <a:masterClrMapping/>
+  </p:clrMapOvr>
+</p:notes>
+</file>
+
+<file path=ppt/notesSlides/notesSlide3.xml><?xml version="1.0" encoding="utf-8"?>
+<p:notes xmlns:a="http://schemas.openxmlformats.org/drawingml/2006/main" xmlns:r="http://schemas.openxmlformats.org/officeDocument/2006/relationships" xmlns:p="http://schemas.openxmlformats.org/presentationml/2006/main">
+  <p:cSld>
+    <p:spTree>
+      <p:nvGrpSpPr>
+        <p:cNvPr id="1" name=""/>
+        <p:cNvGrpSpPr/>
+        <p:nvPr/>
+      </p:nvGrpSpPr>
+      <p:grpSpPr>
+        <a:xfrm>
+          <a:off x="0" y="0"/>
+          <a:ext cx="0" cy="0"/>
+          <a:chOff x="0" y="0"/>
+          <a:chExt cx="0" cy="0"/>
+        </a:xfrm>
+      </p:grpSpPr>
+      <p:sp>
+        <p:nvSpPr>
+          <p:cNvPr id="2" name="Slide Image Placeholder 1"/>
+          <p:cNvSpPr>
+            <a:spLocks noGrp="1" noRot="1" noChangeAspect="1"/>
+          </p:cNvSpPr>
+          <p:nvPr>
+            <p:ph type="sldImg"/>
+          </p:nvPr>
+        </p:nvSpPr>
+        <p:spPr/>
+      </p:sp>
+      <p:sp>
+        <p:nvSpPr>
+          <p:cNvPr id="3" name="Notes Placeholder 2"/>
+          <p:cNvSpPr>
+            <a:spLocks noGrp="1"/>
+          </p:cNvSpPr>
+          <p:nvPr>
+            <p:ph type="body" idx="1"/>
+          </p:nvPr>
+        </p:nvSpPr>
+        <p:spPr/>
+        <p:txBody>
+          <a:bodyPr/>
+          <a:lstStyle/>
+          <a:p>
+            <a:r>
+              <a:rPr lang="de-CH" dirty="0"/>
+              <a:t>Die</a:t>
+            </a:r>
+            <a:r>
+              <a:rPr lang="de-CH" baseline="0" dirty="0"/>
+              <a:t> Modelle, die wir implementieren wollen, sehen Sie hier.</a:t>
+            </a:r>
+          </a:p>
+          <a:p>
+            <a:r>
+              <a:rPr lang="de-CH" baseline="0" dirty="0"/>
+              <a:t>Der </a:t>
+            </a:r>
+            <a:r>
+              <a:rPr lang="de-CH" baseline="0" dirty="0" err="1"/>
+              <a:t>HealthVisitor</a:t>
+            </a:r>
+            <a:r>
+              <a:rPr lang="de-CH" baseline="0" dirty="0"/>
+              <a:t> ist die wichtigsten Element unseres </a:t>
+            </a:r>
+            <a:r>
+              <a:rPr lang="de-CH" baseline="0" dirty="0" err="1"/>
+              <a:t>Program</a:t>
+            </a:r>
+            <a:r>
+              <a:rPr lang="de-CH" baseline="0" dirty="0"/>
+              <a:t>.</a:t>
+            </a:r>
+          </a:p>
+          <a:p>
+            <a:r>
+              <a:rPr lang="de-CH" baseline="0" dirty="0"/>
+              <a:t>Er kann Customers und Visiten erstellen und bearbeiten.</a:t>
+            </a:r>
+          </a:p>
+          <a:p>
+            <a:r>
+              <a:rPr lang="de-CH" baseline="0" dirty="0"/>
+              <a:t>Customer (wie Kunde oder Patient) enthalt alle Daten des </a:t>
+            </a:r>
+            <a:r>
+              <a:rPr lang="de-CH" baseline="0" dirty="0" err="1"/>
+              <a:t>Kundes</a:t>
+            </a:r>
+            <a:r>
+              <a:rPr lang="de-CH" baseline="0" dirty="0"/>
+              <a:t>.</a:t>
+            </a:r>
+          </a:p>
+          <a:p>
+            <a:r>
+              <a:rPr lang="de-CH" baseline="0" dirty="0" err="1"/>
+              <a:t>Visit</a:t>
+            </a:r>
+            <a:r>
+              <a:rPr lang="de-CH" baseline="0" dirty="0"/>
+              <a:t> verbindet die Kunde und </a:t>
+            </a:r>
+            <a:r>
+              <a:rPr lang="de-CH" baseline="0" dirty="0" err="1"/>
+              <a:t>HealthVisitoren</a:t>
+            </a:r>
+            <a:r>
+              <a:rPr lang="de-CH" baseline="0" dirty="0"/>
+              <a:t>, die für diese Kunde verantwortlich sind.</a:t>
+            </a:r>
+          </a:p>
+          <a:p>
+            <a:r>
+              <a:rPr lang="de-CH" baseline="0" dirty="0" err="1"/>
+              <a:t>VisitEvent</a:t>
+            </a:r>
+            <a:r>
+              <a:rPr lang="de-CH" baseline="0" dirty="0"/>
+              <a:t> beschreibt ein Termin</a:t>
+            </a:r>
+            <a:r>
+              <a:rPr lang="en-US" baseline="0" dirty="0"/>
+              <a:t>, </a:t>
+            </a:r>
+            <a:r>
+              <a:rPr lang="en-US" baseline="0" dirty="0" err="1"/>
+              <a:t>es</a:t>
+            </a:r>
+            <a:r>
+              <a:rPr lang="en-US" baseline="0" dirty="0"/>
+              <a:t> </a:t>
+            </a:r>
+            <a:r>
+              <a:rPr lang="en-US" baseline="0" dirty="0" err="1"/>
+              <a:t>kann</a:t>
+            </a:r>
+            <a:r>
+              <a:rPr lang="en-US" baseline="0" dirty="0"/>
+              <a:t> </a:t>
+            </a:r>
+            <a:r>
+              <a:rPr lang="en-US" baseline="0" dirty="0" err="1"/>
+              <a:t>Notizen</a:t>
+            </a:r>
+            <a:r>
+              <a:rPr lang="en-US" baseline="0" dirty="0"/>
+              <a:t> </a:t>
+            </a:r>
+            <a:r>
+              <a:rPr lang="en-US" baseline="0" dirty="0" err="1"/>
+              <a:t>enthalten</a:t>
+            </a:r>
+            <a:r>
+              <a:rPr lang="en-US" baseline="0" dirty="0"/>
+              <a:t>.</a:t>
+            </a:r>
+          </a:p>
+          <a:p>
+            <a:r>
+              <a:rPr lang="de-CH" baseline="0" dirty="0"/>
+              <a:t>Noch </a:t>
+            </a:r>
+            <a:r>
+              <a:rPr lang="de-CH" baseline="0" dirty="0" err="1"/>
+              <a:t>HealthVisitor</a:t>
+            </a:r>
+            <a:r>
+              <a:rPr lang="de-CH" baseline="0" dirty="0"/>
+              <a:t> kann die Rapporte von </a:t>
+            </a:r>
+            <a:r>
+              <a:rPr lang="de-CH" baseline="0" dirty="0" err="1"/>
+              <a:t>VisitEvent</a:t>
+            </a:r>
+            <a:r>
+              <a:rPr lang="de-CH" baseline="0" dirty="0"/>
+              <a:t> erstellen.</a:t>
+            </a:r>
+          </a:p>
+        </p:txBody>
+      </p:sp>
+      <p:sp>
+        <p:nvSpPr>
+          <p:cNvPr id="4" name="Slide Number Placeholder 3"/>
+          <p:cNvSpPr>
+            <a:spLocks noGrp="1"/>
+          </p:cNvSpPr>
+          <p:nvPr>
+            <p:ph type="sldNum" sz="quarter" idx="10"/>
+          </p:nvPr>
+        </p:nvSpPr>
+        <p:spPr/>
+        <p:txBody>
+          <a:bodyPr/>
+          <a:lstStyle/>
+          <a:p>
+            <a:fld id="{37E44704-8E6D-4CF2-8CFA-A0F7BC751896}" type="slidenum">
+              <a:rPr lang="de-CH" smtClean="0"/>
+              <a:t>3</a:t>
+            </a:fld>
+            <a:endParaRPr lang="de-CH"/>
+          </a:p>
+        </p:txBody>
+      </p:sp>
+    </p:spTree>
+    <p:extLst>
+      <p:ext uri="{BB962C8B-B14F-4D97-AF65-F5344CB8AC3E}">
+        <p14:creationId xmlns:p14="http://schemas.microsoft.com/office/powerpoint/2010/main" val="3900127357"/>
+      </p:ext>
+    </p:extLst>
+  </p:cSld>
+  <p:clrMapOvr>
+    <a:masterClrMapping/>
+  </p:clrMapOvr>
+</p:notes>
+</file>
+
+<file path=ppt/notesSlides/notesSlide4.xml><?xml version="1.0" encoding="utf-8"?>
+<p:notes xmlns:a="http://schemas.openxmlformats.org/drawingml/2006/main" xmlns:r="http://schemas.openxmlformats.org/officeDocument/2006/relationships" xmlns:p="http://schemas.openxmlformats.org/presentationml/2006/main">
+  <p:cSld>
+    <p:spTree>
+      <p:nvGrpSpPr>
+        <p:cNvPr id="1" name=""/>
+        <p:cNvGrpSpPr/>
+        <p:nvPr/>
+      </p:nvGrpSpPr>
+      <p:grpSpPr>
+        <a:xfrm>
+          <a:off x="0" y="0"/>
+          <a:ext cx="0" cy="0"/>
+          <a:chOff x="0" y="0"/>
+          <a:chExt cx="0" cy="0"/>
+        </a:xfrm>
+      </p:grpSpPr>
+      <p:sp>
+        <p:nvSpPr>
+          <p:cNvPr id="2" name="Slide Image Placeholder 1"/>
+          <p:cNvSpPr>
+            <a:spLocks noGrp="1" noRot="1" noChangeAspect="1"/>
+          </p:cNvSpPr>
+          <p:nvPr>
+            <p:ph type="sldImg"/>
+          </p:nvPr>
+        </p:nvSpPr>
+        <p:spPr/>
+      </p:sp>
+      <p:sp>
+        <p:nvSpPr>
+          <p:cNvPr id="3" name="Notes Placeholder 2"/>
+          <p:cNvSpPr>
+            <a:spLocks noGrp="1"/>
+          </p:cNvSpPr>
+          <p:nvPr>
+            <p:ph type="body" idx="1"/>
+          </p:nvPr>
+        </p:nvSpPr>
+        <p:spPr/>
+        <p:txBody>
+          <a:bodyPr/>
+          <a:lstStyle/>
+          <a:p>
+            <a:r>
+              <a:rPr lang="de-CH" dirty="0"/>
+              <a:t>Unsere</a:t>
+            </a:r>
+            <a:r>
+              <a:rPr lang="de-CH" baseline="0" dirty="0"/>
+              <a:t> Views sind auf User </a:t>
+            </a:r>
+            <a:r>
+              <a:rPr lang="de-CH" baseline="0" dirty="0" err="1"/>
+              <a:t>Requirements</a:t>
+            </a:r>
+            <a:r>
+              <a:rPr lang="de-CH" baseline="0" dirty="0"/>
+              <a:t> basieren</a:t>
+            </a:r>
+            <a:endParaRPr lang="en-US" baseline="0" dirty="0"/>
+          </a:p>
+          <a:p>
+            <a:r>
+              <a:rPr lang="de-CH" baseline="0" dirty="0"/>
+              <a:t>Wie definiert, wir werden folgende </a:t>
+            </a:r>
+            <a:r>
+              <a:rPr lang="de-CH" baseline="0" dirty="0" err="1"/>
+              <a:t>funktionen</a:t>
+            </a:r>
+            <a:r>
+              <a:rPr lang="de-CH" baseline="0" dirty="0"/>
+              <a:t> implementieren:</a:t>
+            </a:r>
+          </a:p>
+          <a:p>
+            <a:r>
+              <a:rPr lang="de-CH" baseline="0" dirty="0"/>
+              <a:t>- </a:t>
+            </a:r>
+          </a:p>
+        </p:txBody>
+      </p:sp>
+      <p:sp>
+        <p:nvSpPr>
+          <p:cNvPr id="4" name="Slide Number Placeholder 3"/>
+          <p:cNvSpPr>
+            <a:spLocks noGrp="1"/>
+          </p:cNvSpPr>
+          <p:nvPr>
+            <p:ph type="sldNum" sz="quarter" idx="10"/>
+          </p:nvPr>
+        </p:nvSpPr>
+        <p:spPr/>
+        <p:txBody>
+          <a:bodyPr/>
+          <a:lstStyle/>
+          <a:p>
+            <a:fld id="{37E44704-8E6D-4CF2-8CFA-A0F7BC751896}" type="slidenum">
+              <a:rPr lang="de-CH" smtClean="0"/>
+              <a:t>4</a:t>
+            </a:fld>
+            <a:endParaRPr lang="de-CH"/>
+          </a:p>
+        </p:txBody>
+      </p:sp>
+    </p:spTree>
+    <p:extLst>
+      <p:ext uri="{BB962C8B-B14F-4D97-AF65-F5344CB8AC3E}">
+        <p14:creationId xmlns:p14="http://schemas.microsoft.com/office/powerpoint/2010/main" val="3939559499"/>
+      </p:ext>
+    </p:extLst>
+  </p:cSld>
+  <p:clrMapOvr>
+    <a:masterClrMapping/>
+  </p:clrMapOvr>
+</p:notes>
+</file>
+
+<file path=ppt/notesSlides/notesSlide5.xml><?xml version="1.0" encoding="utf-8"?>
+<p:notes xmlns:a="http://schemas.openxmlformats.org/drawingml/2006/main" xmlns:r="http://schemas.openxmlformats.org/officeDocument/2006/relationships" xmlns:p="http://schemas.openxmlformats.org/presentationml/2006/main">
+  <p:cSld>
+    <p:spTree>
+      <p:nvGrpSpPr>
+        <p:cNvPr id="1" name=""/>
+        <p:cNvGrpSpPr/>
+        <p:nvPr/>
+      </p:nvGrpSpPr>
+      <p:grpSpPr>
+        <a:xfrm>
+          <a:off x="0" y="0"/>
+          <a:ext cx="0" cy="0"/>
+          <a:chOff x="0" y="0"/>
+          <a:chExt cx="0" cy="0"/>
+        </a:xfrm>
+      </p:grpSpPr>
+      <p:sp>
+        <p:nvSpPr>
+          <p:cNvPr id="2" name="Slide Image Placeholder 1"/>
+          <p:cNvSpPr>
+            <a:spLocks noGrp="1" noRot="1" noChangeAspect="1"/>
+          </p:cNvSpPr>
+          <p:nvPr>
+            <p:ph type="sldImg"/>
+          </p:nvPr>
+        </p:nvSpPr>
+        <p:spPr/>
+      </p:sp>
+      <p:sp>
+        <p:nvSpPr>
+          <p:cNvPr id="3" name="Notes Placeholder 2"/>
+          <p:cNvSpPr>
+            <a:spLocks noGrp="1"/>
+          </p:cNvSpPr>
+          <p:nvPr>
+            <p:ph type="body" idx="1"/>
+          </p:nvPr>
+        </p:nvSpPr>
+        <p:spPr/>
+        <p:txBody>
+          <a:bodyPr/>
+          <a:lstStyle/>
+          <a:p>
+            <a:r>
+              <a:rPr lang="de-CH" dirty="0" err="1"/>
+              <a:t>Vaadin</a:t>
+            </a:r>
+            <a:r>
+              <a:rPr lang="de-CH" dirty="0"/>
+              <a:t> ist unser</a:t>
+            </a:r>
+            <a:r>
+              <a:rPr lang="de-CH" baseline="0" dirty="0"/>
+              <a:t> </a:t>
+            </a:r>
+            <a:r>
+              <a:rPr lang="de-CH" baseline="0" dirty="0" err="1"/>
+              <a:t>Schlussel</a:t>
+            </a:r>
+            <a:r>
+              <a:rPr lang="de-CH" baseline="0" dirty="0"/>
+              <a:t> zu schneller Entwicklung</a:t>
+            </a:r>
+          </a:p>
+          <a:p>
+            <a:endParaRPr lang="de-CH" baseline="0" dirty="0"/>
+          </a:p>
+          <a:p>
+            <a:r>
+              <a:rPr lang="de-CH" baseline="0" dirty="0"/>
+              <a:t>Unsere WEB-Applikation wird aus mehreren Seiten bestehen, damit die Navigator Klasse von </a:t>
+            </a:r>
+            <a:r>
+              <a:rPr lang="de-CH" baseline="0" dirty="0" err="1"/>
+              <a:t>Vaadin</a:t>
+            </a:r>
+            <a:r>
+              <a:rPr lang="de-CH" baseline="0" dirty="0"/>
+              <a:t> benutzt </a:t>
+            </a:r>
+            <a:r>
+              <a:rPr lang="de-CH" baseline="0" dirty="0" err="1"/>
+              <a:t>weden</a:t>
+            </a:r>
+            <a:endParaRPr lang="de-CH" baseline="0" dirty="0"/>
+          </a:p>
+          <a:p>
+            <a:r>
+              <a:rPr lang="de-CH" baseline="0" dirty="0" err="1"/>
+              <a:t>Vaadin</a:t>
+            </a:r>
+            <a:r>
+              <a:rPr lang="de-CH" baseline="0" dirty="0"/>
+              <a:t> hilft mit dem Bau des </a:t>
+            </a:r>
+            <a:r>
+              <a:rPr lang="de-CH" baseline="0" dirty="0" err="1"/>
+              <a:t>Responsive</a:t>
+            </a:r>
+            <a:r>
+              <a:rPr lang="de-CH" baseline="0" dirty="0"/>
+              <a:t> </a:t>
+            </a:r>
+            <a:r>
+              <a:rPr lang="de-CH" baseline="0" dirty="0" err="1"/>
+              <a:t>Designes</a:t>
+            </a:r>
+            <a:r>
+              <a:rPr lang="de-CH" baseline="0" dirty="0"/>
+              <a:t>, auf diesem Grund die </a:t>
+            </a:r>
+            <a:r>
+              <a:rPr lang="de-CH" baseline="0" dirty="0" err="1"/>
+              <a:t>Vaadin</a:t>
+            </a:r>
+            <a:r>
+              <a:rPr lang="de-CH" baseline="0" dirty="0"/>
+              <a:t> UI Elementen benutzt werden</a:t>
+            </a:r>
+          </a:p>
+        </p:txBody>
+      </p:sp>
+      <p:sp>
+        <p:nvSpPr>
+          <p:cNvPr id="4" name="Slide Number Placeholder 3"/>
+          <p:cNvSpPr>
+            <a:spLocks noGrp="1"/>
+          </p:cNvSpPr>
+          <p:nvPr>
+            <p:ph type="sldNum" sz="quarter" idx="10"/>
+          </p:nvPr>
+        </p:nvSpPr>
+        <p:spPr/>
+        <p:txBody>
+          <a:bodyPr/>
+          <a:lstStyle/>
+          <a:p>
+            <a:fld id="{37E44704-8E6D-4CF2-8CFA-A0F7BC751896}" type="slidenum">
+              <a:rPr lang="de-CH" smtClean="0"/>
+              <a:t>5</a:t>
+            </a:fld>
+            <a:endParaRPr lang="de-CH"/>
+          </a:p>
+        </p:txBody>
+      </p:sp>
+    </p:spTree>
+    <p:extLst>
+      <p:ext uri="{BB962C8B-B14F-4D97-AF65-F5344CB8AC3E}">
+        <p14:creationId xmlns:p14="http://schemas.microsoft.com/office/powerpoint/2010/main" val="3158372571"/>
+      </p:ext>
+    </p:extLst>
+  </p:cSld>
+  <p:clrMapOvr>
+    <a:masterClrMapping/>
+  </p:clrMapOvr>
+</p:notes>
+</file>
+
+<file path=ppt/notesSlides/notesSlide6.xml><?xml version="1.0" encoding="utf-8"?>
+<p:notes xmlns:a="http://schemas.openxmlformats.org/drawingml/2006/main" xmlns:r="http://schemas.openxmlformats.org/officeDocument/2006/relationships" xmlns:p="http://schemas.openxmlformats.org/presentationml/2006/main">
+  <p:cSld>
+    <p:spTree>
+      <p:nvGrpSpPr>
+        <p:cNvPr id="1" name=""/>
+        <p:cNvGrpSpPr/>
+        <p:nvPr/>
+      </p:nvGrpSpPr>
+      <p:grpSpPr>
+        <a:xfrm>
+          <a:off x="0" y="0"/>
+          <a:ext cx="0" cy="0"/>
+          <a:chOff x="0" y="0"/>
+          <a:chExt cx="0" cy="0"/>
+        </a:xfrm>
+      </p:grpSpPr>
+      <p:sp>
+        <p:nvSpPr>
+          <p:cNvPr id="2" name="Slide Image Placeholder 1"/>
+          <p:cNvSpPr>
+            <a:spLocks noGrp="1" noRot="1" noChangeAspect="1"/>
+          </p:cNvSpPr>
+          <p:nvPr>
+            <p:ph type="sldImg"/>
+          </p:nvPr>
+        </p:nvSpPr>
+        <p:spPr/>
+      </p:sp>
+      <p:sp>
+        <p:nvSpPr>
+          <p:cNvPr id="3" name="Notes Placeholder 2"/>
+          <p:cNvSpPr>
+            <a:spLocks noGrp="1"/>
+          </p:cNvSpPr>
+          <p:nvPr>
+            <p:ph type="body" idx="1"/>
+          </p:nvPr>
+        </p:nvSpPr>
+        <p:spPr/>
+        <p:txBody>
+          <a:bodyPr/>
+          <a:lstStyle/>
+          <a:p>
+            <a:r>
+              <a:rPr lang="de-CH" dirty="0"/>
+              <a:t>Wie unsere</a:t>
+            </a:r>
+            <a:r>
+              <a:rPr lang="de-CH" baseline="0" dirty="0"/>
+              <a:t> Software Architektur aussieht… </a:t>
+            </a:r>
+            <a:endParaRPr lang="en-US" dirty="0"/>
+          </a:p>
+        </p:txBody>
+      </p:sp>
+      <p:sp>
+        <p:nvSpPr>
+          <p:cNvPr id="4" name="Slide Number Placeholder 3"/>
+          <p:cNvSpPr>
+            <a:spLocks noGrp="1"/>
+          </p:cNvSpPr>
+          <p:nvPr>
+            <p:ph type="sldNum" sz="quarter" idx="10"/>
+          </p:nvPr>
+        </p:nvSpPr>
+        <p:spPr/>
+        <p:txBody>
+          <a:bodyPr/>
+          <a:lstStyle/>
+          <a:p>
+            <a:fld id="{37E44704-8E6D-4CF2-8CFA-A0F7BC751896}" type="slidenum">
+              <a:rPr lang="de-CH" smtClean="0"/>
+              <a:t>6</a:t>
+            </a:fld>
+            <a:endParaRPr lang="de-CH"/>
+          </a:p>
+        </p:txBody>
+      </p:sp>
+    </p:spTree>
+    <p:extLst>
+      <p:ext uri="{BB962C8B-B14F-4D97-AF65-F5344CB8AC3E}">
+        <p14:creationId xmlns:p14="http://schemas.microsoft.com/office/powerpoint/2010/main" val="3004797226"/>
+      </p:ext>
+    </p:extLst>
+  </p:cSld>
+  <p:clrMapOvr>
+    <a:masterClrMapping/>
+  </p:clrMapOvr>
+</p:notes>
 </file>
 
 <file path=ppt/slideLayouts/slideLayout1.xml><?xml version="1.0" encoding="utf-8"?>
@@ -6873,7 +7786,7 @@
           <p:nvPr/>
         </p:nvPicPr>
         <p:blipFill>
-          <a:blip r:embed="rId2"/>
+          <a:blip r:embed="rId3"/>
           <a:stretch>
             <a:fillRect/>
           </a:stretch>
@@ -6955,7 +7868,7 @@
           <p:nvPr/>
         </p:nvPicPr>
         <p:blipFill>
-          <a:blip r:embed="rId2"/>
+          <a:blip r:embed="rId3"/>
           <a:stretch>
             <a:fillRect/>
           </a:stretch>
@@ -7105,7 +8018,7 @@
           <p:nvPr/>
         </p:nvPicPr>
         <p:blipFill>
-          <a:blip r:embed="rId2"/>
+          <a:blip r:embed="rId3"/>
           <a:stretch>
             <a:fillRect/>
           </a:stretch>
@@ -7175,7 +8088,35 @@
           <a:bodyPr/>
           <a:lstStyle/>
           <a:p>
+            <a:r>
+              <a:rPr lang="de-CH" dirty="0" err="1"/>
+              <a:t>Vaadin</a:t>
+            </a:r>
+            <a:r>
+              <a:rPr lang="de-CH" dirty="0"/>
+              <a:t> Klassen wie Helper Klassen</a:t>
+            </a:r>
+          </a:p>
+          <a:p>
             <a:endParaRPr lang="de-CH" dirty="0"/>
+          </a:p>
+          <a:p>
+            <a:pPr lvl="1"/>
+            <a:r>
+              <a:rPr lang="de-CH" dirty="0"/>
+              <a:t>Navigator als ein Zentralelement </a:t>
+            </a:r>
+          </a:p>
+          <a:p>
+            <a:pPr lvl="1"/>
+            <a:endParaRPr lang="de-CH" dirty="0"/>
+          </a:p>
+          <a:p>
+            <a:pPr lvl="1"/>
+            <a:r>
+              <a:rPr lang="de-CH" dirty="0"/>
+              <a:t>UI-Elemente</a:t>
+            </a:r>
           </a:p>
         </p:txBody>
       </p:sp>
@@ -7211,7 +8152,7 @@
           <p:nvPr/>
         </p:nvPicPr>
         <p:blipFill>
-          <a:blip r:embed="rId2"/>
+          <a:blip r:embed="rId3"/>
           <a:stretch>
             <a:fillRect/>
           </a:stretch>
@@ -7293,7 +8234,7 @@
           <p:nvPr/>
         </p:nvPicPr>
         <p:blipFill>
-          <a:blip r:embed="rId2"/>
+          <a:blip r:embed="rId3"/>
           <a:stretch>
             <a:fillRect/>
           </a:stretch>
@@ -8210,15 +9151,6 @@
 </file>
 
 <file path=customXml/item1.xml><?xml version="1.0" encoding="utf-8"?>
-<?mso-contentType ?>
-<FormTemplates xmlns="http://schemas.microsoft.com/sharepoint/v3/contenttype/forms">
-  <Display>DocumentLibraryForm</Display>
-  <Edit>DocumentLibraryForm</Edit>
-  <New>DocumentLibraryForm</New>
-</FormTemplates>
-</file>
-
-<file path=customXml/item2.xml><?xml version="1.0" encoding="utf-8"?>
 <ct:contentTypeSchema xmlns:ct="http://schemas.microsoft.com/office/2006/metadata/contentType" xmlns:ma="http://schemas.microsoft.com/office/2006/metadata/properties/metaAttributes" ct:_="" ma:_="" ma:contentTypeName="QMPilot_ContentType" ma:contentTypeID="0x0101009127C3B567804923A8661E062BBD8EF500AB8983C84EF542A7976DC8547A5CDC52001BD440F45714504284DA526949208683" ma:contentTypeVersion="2" ma:contentTypeDescription="Create a new document." ma:contentTypeScope="" ma:versionID="e95561030a1194bdd1903eaf06697dcb">
   <xsd:schema xmlns:xsd="http://www.w3.org/2001/XMLSchema" xmlns:xs="http://www.w3.org/2001/XMLSchema" xmlns:p="http://schemas.microsoft.com/office/2006/metadata/properties" xmlns:ns2="f6f68f68-5570-446d-b1e6-2310e70d83d3" xmlns:ns3="2551ef7e-3b29-44d1-a8ad-ef34c26bfc60" targetNamespace="http://schemas.microsoft.com/office/2006/metadata/properties" ma:root="true" ma:fieldsID="a12ba8f3cc9838c64a8c8804efb93033" ns2:_="" ns3:_="">
     <xsd:import namespace="f6f68f68-5570-446d-b1e6-2310e70d83d3"/>
@@ -8357,6 +9289,15 @@
 </ct:contentTypeSchema>
 </file>
 
+<file path=customXml/item2.xml><?xml version="1.0" encoding="utf-8"?>
+<?mso-contentType ?>
+<FormTemplates xmlns="http://schemas.microsoft.com/sharepoint/v3/contenttype/forms">
+  <Display>DocumentLibraryForm</Display>
+  <Edit>DocumentLibraryForm</Edit>
+  <New>DocumentLibraryForm</New>
+</FormTemplates>
+</file>
+
 <file path=customXml/item3.xml><?xml version="1.0" encoding="utf-8"?>
 <p:properties xmlns:p="http://schemas.microsoft.com/office/2006/metadata/properties" xmlns:xsi="http://www.w3.org/2001/XMLSchema-instance" xmlns:pc="http://schemas.microsoft.com/office/infopath/2007/PartnerControls">
   <documentManagement>
@@ -8374,14 +9315,6 @@
 </file>
 
 <file path=customXml/itemProps1.xml><?xml version="1.0" encoding="utf-8"?>
-<ds:datastoreItem xmlns:ds="http://schemas.openxmlformats.org/officeDocument/2006/customXml" ds:itemID="{5CB67779-C189-49ED-9BF9-68381C946610}">
-  <ds:schemaRefs>
-    <ds:schemaRef ds:uri="http://schemas.microsoft.com/sharepoint/v3/contenttype/forms"/>
-  </ds:schemaRefs>
-</ds:datastoreItem>
-</file>
-
-<file path=customXml/itemProps2.xml><?xml version="1.0" encoding="utf-8"?>
 <ds:datastoreItem xmlns:ds="http://schemas.openxmlformats.org/officeDocument/2006/customXml" ds:itemID="{CB4025D8-06FF-435D-84DB-053B2771B6A9}">
   <ds:schemaRefs>
     <ds:schemaRef ds:uri="http://schemas.microsoft.com/office/2006/metadata/contentType"/>
@@ -8400,6 +9333,14 @@
 </ds:datastoreItem>
 </file>
 
+<file path=customXml/itemProps2.xml><?xml version="1.0" encoding="utf-8"?>
+<ds:datastoreItem xmlns:ds="http://schemas.openxmlformats.org/officeDocument/2006/customXml" ds:itemID="{5CB67779-C189-49ED-9BF9-68381C946610}">
+  <ds:schemaRefs>
+    <ds:schemaRef ds:uri="http://schemas.microsoft.com/sharepoint/v3/contenttype/forms"/>
+  </ds:schemaRefs>
+</ds:datastoreItem>
+</file>
+
 <file path=customXml/itemProps3.xml><?xml version="1.0" encoding="utf-8"?>
 <ds:datastoreItem xmlns:ds="http://schemas.openxmlformats.org/officeDocument/2006/customXml" ds:itemID="{9AAA8D20-5682-401D-8229-39FEBC5A5187}">
   <ds:schemaRefs>
@@ -8407,9 +9348,9 @@
     <ds:schemaRef ds:uri="http://schemas.openxmlformats.org/package/2006/metadata/core-properties"/>
     <ds:schemaRef ds:uri="http://schemas.microsoft.com/office/2006/documentManagement/types"/>
     <ds:schemaRef ds:uri="http://schemas.microsoft.com/office/infopath/2007/PartnerControls"/>
+    <ds:schemaRef ds:uri="2551ef7e-3b29-44d1-a8ad-ef34c26bfc60"/>
     <ds:schemaRef ds:uri="http://purl.org/dc/elements/1.1/"/>
     <ds:schemaRef ds:uri="http://schemas.microsoft.com/office/2006/metadata/properties"/>
-    <ds:schemaRef ds:uri="2551ef7e-3b29-44d1-a8ad-ef34c26bfc60"/>
     <ds:schemaRef ds:uri="f6f68f68-5570-446d-b1e6-2310e70d83d3"/>
     <ds:schemaRef ds:uri="http://www.w3.org/XML/1998/namespace"/>
     <ds:schemaRef ds:uri="http://purl.org/dc/dcmitype/"/>

--- a/doc/task09/2016-05-09-Task_09.pptx
+++ b/doc/task09/2016-05-09-Task_09.pptx
@@ -148,7 +148,7 @@
   </p:defaultTextStyle>
   <p:extLst>
     <p:ext uri="{EFAFB233-063F-42B5-8137-9DF3F51BA10A}">
-      <p15:sldGuideLst xmlns:p15="http://schemas.microsoft.com/office/powerpoint/2012/main">
+      <p15:sldGuideLst xmlns:p15="http://schemas.microsoft.com/office/powerpoint/2012/main" xmlns="">
         <p15:guide id="1" orient="horz" pos="2160">
           <p15:clr>
             <a:srgbClr val="A4A3A4"/>
@@ -162,7 +162,7 @@
       </p15:sldGuideLst>
     </p:ext>
     <p:ext uri="{2D200454-40CA-4A62-9FC3-DE9A4176ACB9}">
-      <p15:notesGuideLst xmlns:p15="http://schemas.microsoft.com/office/powerpoint/2012/main">
+      <p15:notesGuideLst xmlns:p15="http://schemas.microsoft.com/office/powerpoint/2012/main" xmlns="">
         <p15:guide id="1" orient="horz" pos="3132">
           <p15:clr>
             <a:srgbClr val="A4A3A4"/>
@@ -261,7 +261,7 @@
           <a:p>
             <a:fld id="{EFA0D184-D464-48E9-9CA0-A94E873F6C2C}" type="datetimeFigureOut">
               <a:rPr lang="de-CH" smtClean="0"/>
-              <a:t>09.05.2016</a:t>
+              <a:t>09.05.16</a:t>
             </a:fld>
             <a:endParaRPr lang="de-CH"/>
           </a:p>
@@ -327,7 +327,7 @@
           <a:p>
             <a:fld id="{5F377753-DB7C-4FA7-98FC-17681D88797A}" type="slidenum">
               <a:rPr lang="de-CH" smtClean="0"/>
-              <a:t>‹#›</a:t>
+              <a:t>‹Nr.›</a:t>
             </a:fld>
             <a:endParaRPr lang="de-CH"/>
           </a:p>
@@ -426,7 +426,7 @@
           <a:p>
             <a:fld id="{5AF2B663-2BA9-4D7E-8201-5DE4109E1EDD}" type="datetimeFigureOut">
               <a:rPr lang="de-CH" smtClean="0"/>
-              <a:t>09.05.2016</a:t>
+              <a:t>09.05.16</a:t>
             </a:fld>
             <a:endParaRPr lang="de-CH"/>
           </a:p>
@@ -585,7 +585,7 @@
           <a:p>
             <a:fld id="{37E44704-8E6D-4CF2-8CFA-A0F7BC751896}" type="slidenum">
               <a:rPr lang="de-CH" smtClean="0"/>
-              <a:t>‹#›</a:t>
+              <a:t>‹Nr.›</a:t>
             </a:fld>
             <a:endParaRPr lang="de-CH"/>
           </a:p>
@@ -761,27 +761,27 @@
               <a:t> </a:t>
             </a:r>
             <a:r>
+              <a:rPr lang="en-US" baseline="0" dirty="0" err="1" smtClean="0"/>
+              <a:t>präsentiere</a:t>
+            </a:r>
+            <a:r>
+              <a:rPr lang="en-US" baseline="0" dirty="0" smtClean="0"/>
+              <a:t> </a:t>
+            </a:r>
+            <a:r>
               <a:rPr lang="en-US" baseline="0" dirty="0" err="1"/>
-              <a:t>presentiere</a:t>
+              <a:t>ich</a:t>
             </a:r>
             <a:r>
               <a:rPr lang="en-US" baseline="0" dirty="0"/>
               <a:t> </a:t>
             </a:r>
             <a:r>
-              <a:rPr lang="en-US" baseline="0" dirty="0" err="1"/>
-              <a:t>ich</a:t>
-            </a:r>
-            <a:r>
-              <a:rPr lang="en-US" baseline="0" dirty="0"/>
-              <a:t> </a:t>
-            </a:r>
-            <a:r>
-              <a:rPr lang="en-US" baseline="0" dirty="0" err="1"/>
-              <a:t>unseres</a:t>
-            </a:r>
-            <a:r>
-              <a:rPr lang="en-US" baseline="0" dirty="0"/>
+              <a:rPr lang="en-US" baseline="0" dirty="0" err="1" smtClean="0"/>
+              <a:t>unser</a:t>
+            </a:r>
+            <a:r>
+              <a:rPr lang="en-US" baseline="0" dirty="0" smtClean="0"/>
               <a:t> </a:t>
             </a:r>
             <a:r>
@@ -881,7 +881,11 @@
             </a:r>
             <a:r>
               <a:rPr lang="de-CH" baseline="0" dirty="0"/>
-              <a:t>n MVC </a:t>
+              <a:t>n </a:t>
+            </a:r>
+            <a:r>
+              <a:rPr lang="de-CH" baseline="0" dirty="0" smtClean="0"/>
+              <a:t>ein MVC </a:t>
             </a:r>
             <a:r>
               <a:rPr lang="de-CH" baseline="0" dirty="0" err="1"/>
@@ -892,69 +896,49 @@
               <a:t> für unsere </a:t>
             </a:r>
             <a:r>
-              <a:rPr lang="de-CH" baseline="0" dirty="0" err="1"/>
-              <a:t>Application</a:t>
+              <a:rPr lang="de-CH" baseline="0" dirty="0" smtClean="0"/>
+              <a:t>Applikation gewählt.</a:t>
+            </a:r>
+            <a:endParaRPr lang="de-CH" baseline="0" dirty="0"/>
+          </a:p>
+          <a:p>
+            <a:r>
+              <a:rPr lang="de-CH" baseline="0" dirty="0" smtClean="0"/>
+              <a:t>Dazu werden </a:t>
             </a:r>
             <a:r>
               <a:rPr lang="de-CH" baseline="0" dirty="0"/>
-              <a:t> gewählt</a:t>
-            </a:r>
-          </a:p>
-          <a:p>
-            <a:r>
-              <a:rPr lang="de-CH" dirty="0"/>
-              <a:t>Ein</a:t>
+              <a:t>wir </a:t>
+            </a:r>
+            <a:r>
+              <a:rPr lang="de-CH" baseline="0" dirty="0" smtClean="0"/>
+              <a:t>auch Helpers </a:t>
             </a:r>
             <a:r>
               <a:rPr lang="de-CH" baseline="0" dirty="0"/>
-              <a:t> Controller und </a:t>
-            </a:r>
-            <a:r>
-              <a:rPr lang="de-CH" baseline="0" dirty="0" err="1"/>
-              <a:t>mehere</a:t>
+              <a:t>nutzen, die </a:t>
+            </a:r>
+            <a:r>
+              <a:rPr lang="de-CH" baseline="0" dirty="0" smtClean="0"/>
+              <a:t>die </a:t>
+            </a:r>
+            <a:r>
+              <a:rPr lang="de-CH" baseline="0" dirty="0" err="1" smtClean="0"/>
+              <a:t>Authorisierung</a:t>
+            </a:r>
+            <a:r>
+              <a:rPr lang="de-CH" baseline="0" dirty="0" smtClean="0"/>
+              <a:t> </a:t>
             </a:r>
             <a:r>
               <a:rPr lang="de-CH" baseline="0" dirty="0"/>
-              <a:t> </a:t>
-            </a:r>
-            <a:r>
-              <a:rPr lang="de-CH" baseline="0" dirty="0" err="1"/>
-              <a:t>modelle</a:t>
-            </a:r>
-            <a:r>
-              <a:rPr lang="de-CH" baseline="0" dirty="0"/>
-              <a:t> / </a:t>
-            </a:r>
-            <a:r>
-              <a:rPr lang="de-CH" baseline="0" dirty="0" err="1"/>
-              <a:t>views</a:t>
-            </a:r>
-            <a:r>
-              <a:rPr lang="de-CH" baseline="0" dirty="0"/>
-              <a:t> werden … </a:t>
-            </a:r>
-          </a:p>
-          <a:p>
-            <a:r>
-              <a:rPr lang="de-CH" baseline="0" dirty="0"/>
-              <a:t>Noch werden wir </a:t>
-            </a:r>
-            <a:r>
-              <a:rPr lang="de-CH" baseline="0" dirty="0" err="1"/>
-              <a:t>helpers</a:t>
-            </a:r>
-            <a:r>
-              <a:rPr lang="de-CH" baseline="0" dirty="0"/>
-              <a:t> nutzen, die </a:t>
-            </a:r>
-            <a:r>
-              <a:rPr lang="de-CH" baseline="0" dirty="0" err="1"/>
-              <a:t>Authorisierung</a:t>
-            </a:r>
-            <a:r>
-              <a:rPr lang="de-CH" baseline="0" dirty="0"/>
-              <a:t> und Validierung machen sollen</a:t>
-            </a:r>
+              <a:t>und Validierung machen </a:t>
+            </a:r>
+            <a:r>
+              <a:rPr lang="de-CH" baseline="0" dirty="0" smtClean="0"/>
+              <a:t>sollen.</a:t>
+            </a:r>
+            <a:endParaRPr lang="de-CH" baseline="0" dirty="0"/>
           </a:p>
           <a:p>
             <a:r>
@@ -962,12 +946,8 @@
               <a:t>Relational </a:t>
             </a:r>
             <a:r>
-              <a:rPr lang="de-CH" baseline="0" dirty="0" err="1"/>
-              <a:t>odere</a:t>
-            </a:r>
-            <a:r>
-              <a:rPr lang="de-CH" baseline="0" dirty="0"/>
-              <a:t> </a:t>
+              <a:rPr lang="de-CH" baseline="0" dirty="0" smtClean="0"/>
+              <a:t>oder eine </a:t>
             </a:r>
             <a:r>
               <a:rPr lang="de-CH" baseline="0" dirty="0" err="1"/>
@@ -975,7 +955,33 @@
             </a:r>
             <a:r>
               <a:rPr lang="de-CH" baseline="0" dirty="0"/>
-              <a:t> Datenbank ist noch die Frage…  </a:t>
+              <a:t> Datenbank ist noch die </a:t>
+            </a:r>
+            <a:r>
+              <a:rPr lang="de-CH" baseline="0" dirty="0" smtClean="0"/>
+              <a:t>Frage:</a:t>
+            </a:r>
+          </a:p>
+          <a:p>
+            <a:r>
+              <a:rPr lang="de-CH" baseline="0" dirty="0" smtClean="0"/>
+              <a:t>Im Moment evaluieren wir noch neo4j und </a:t>
+            </a:r>
+            <a:r>
+              <a:rPr lang="de-CH" baseline="0" dirty="0" err="1" smtClean="0"/>
+              <a:t>jOOQ</a:t>
+            </a:r>
+            <a:r>
+              <a:rPr lang="de-CH" baseline="0" dirty="0" smtClean="0"/>
+              <a:t> sowie MySQL oder </a:t>
+            </a:r>
+            <a:r>
+              <a:rPr lang="de-CH" baseline="0" dirty="0" err="1" smtClean="0"/>
+              <a:t>MongoDB</a:t>
+            </a:r>
+            <a:r>
+              <a:rPr lang="de-CH" baseline="0" dirty="0" smtClean="0"/>
+              <a:t>.</a:t>
             </a:r>
             <a:endParaRPr lang="en-US" dirty="0"/>
           </a:p>
@@ -1081,11 +1087,44 @@
             </a:r>
             <a:r>
               <a:rPr lang="de-CH" baseline="0" dirty="0"/>
-              <a:t> ist die wichtigsten Element unseres </a:t>
+              <a:t> ist </a:t>
+            </a:r>
+            <a:r>
+              <a:rPr lang="de-CH" baseline="0" dirty="0" smtClean="0"/>
+              <a:t>das wichtigste </a:t>
+            </a:r>
+            <a:r>
+              <a:rPr lang="de-CH" baseline="0" dirty="0"/>
+              <a:t>Element unseres </a:t>
+            </a:r>
+            <a:r>
+              <a:rPr lang="de-CH" baseline="0" dirty="0" smtClean="0"/>
+              <a:t>Programmes.</a:t>
+            </a:r>
+            <a:endParaRPr lang="de-CH" baseline="0" dirty="0"/>
+          </a:p>
+          <a:p>
+            <a:r>
+              <a:rPr lang="de-CH" baseline="0" dirty="0"/>
+              <a:t>Er kann Customers und </a:t>
+            </a:r>
+            <a:r>
+              <a:rPr lang="de-CH" baseline="0" dirty="0" smtClean="0"/>
+              <a:t>Besuche </a:t>
+            </a:r>
+            <a:r>
+              <a:rPr lang="de-CH" baseline="0" dirty="0"/>
+              <a:t>erstellen und bearbeiten.</a:t>
+            </a:r>
+          </a:p>
+          <a:p>
+            <a:r>
+              <a:rPr lang="de-CH" baseline="0" dirty="0"/>
+              <a:t>Customer (wie Kunde oder Patient) enthalt alle Daten des </a:t>
             </a:r>
             <a:r>
               <a:rPr lang="de-CH" baseline="0" dirty="0" err="1"/>
-              <a:t>Program</a:t>
+              <a:t>Kundes</a:t>
             </a:r>
             <a:r>
               <a:rPr lang="de-CH" baseline="0" dirty="0"/>
@@ -1094,32 +1133,20 @@
           </a:p>
           <a:p>
             <a:r>
+              <a:rPr lang="de-CH" baseline="0" dirty="0" smtClean="0"/>
+              <a:t>Visits verbindet </a:t>
+            </a:r>
+            <a:r>
               <a:rPr lang="de-CH" baseline="0" dirty="0"/>
-              <a:t>Er kann Customers und Visiten erstellen und bearbeiten.</a:t>
-            </a:r>
-          </a:p>
-          <a:p>
+              <a:t>die </a:t>
+            </a:r>
+            <a:r>
+              <a:rPr lang="de-CH" baseline="0" dirty="0" smtClean="0"/>
+              <a:t>Kunden </a:t>
+            </a:r>
             <a:r>
               <a:rPr lang="de-CH" baseline="0" dirty="0"/>
-              <a:t>Customer (wie Kunde oder Patient) enthalt alle Daten des </a:t>
-            </a:r>
-            <a:r>
-              <a:rPr lang="de-CH" baseline="0" dirty="0" err="1"/>
-              <a:t>Kundes</a:t>
-            </a:r>
-            <a:r>
-              <a:rPr lang="de-CH" baseline="0" dirty="0"/>
-              <a:t>.</a:t>
-            </a:r>
-          </a:p>
-          <a:p>
-            <a:r>
-              <a:rPr lang="de-CH" baseline="0" dirty="0" err="1"/>
-              <a:t>Visit</a:t>
-            </a:r>
-            <a:r>
-              <a:rPr lang="de-CH" baseline="0" dirty="0"/>
-              <a:t> verbindet die Kunde und </a:t>
+              <a:t>und </a:t>
             </a:r>
             <a:r>
               <a:rPr lang="de-CH" baseline="0" dirty="0" err="1"/>
@@ -1127,7 +1154,15 @@
             </a:r>
             <a:r>
               <a:rPr lang="de-CH" baseline="0" dirty="0"/>
-              <a:t>, die für diese Kunde verantwortlich sind.</a:t>
+              <a:t>, die für diese </a:t>
+            </a:r>
+            <a:r>
+              <a:rPr lang="de-CH" baseline="0" dirty="0" smtClean="0"/>
+              <a:t>Kunden </a:t>
+            </a:r>
+            <a:r>
+              <a:rPr lang="de-CH" baseline="0" dirty="0"/>
+              <a:t>verantwortlich sind.</a:t>
             </a:r>
           </a:p>
           <a:p>
@@ -1178,25 +1213,14 @@
           </a:p>
           <a:p>
             <a:r>
-              <a:rPr lang="de-CH" baseline="0" dirty="0"/>
-              <a:t>Noch </a:t>
-            </a:r>
-            <a:r>
-              <a:rPr lang="de-CH" baseline="0" dirty="0" err="1"/>
-              <a:t>HealthVisitor</a:t>
-            </a:r>
-            <a:r>
-              <a:rPr lang="de-CH" baseline="0" dirty="0"/>
-              <a:t> kann die Rapporte von </a:t>
-            </a:r>
-            <a:r>
-              <a:rPr lang="de-CH" baseline="0" dirty="0" err="1"/>
-              <a:t>VisitEvent</a:t>
-            </a:r>
-            <a:r>
-              <a:rPr lang="de-CH" baseline="0" dirty="0"/>
-              <a:t> erstellen.</a:t>
-            </a:r>
+              <a:rPr lang="de-CH" baseline="0" dirty="0" err="1" smtClean="0"/>
+              <a:t>HelthVisitors</a:t>
+            </a:r>
+            <a:r>
+              <a:rPr lang="de-CH" baseline="0" dirty="0" smtClean="0"/>
+              <a:t> können Rapporte basierend auf den Visits erstellen.</a:t>
+            </a:r>
+            <a:endParaRPr lang="de-CH" baseline="0" dirty="0"/>
           </a:p>
         </p:txBody>
       </p:sp>
@@ -1281,35 +1305,43 @@
           <a:lstStyle/>
           <a:p>
             <a:r>
-              <a:rPr lang="de-CH" dirty="0"/>
-              <a:t>Unsere</a:t>
-            </a:r>
+              <a:rPr lang="de-CH" dirty="0" smtClean="0"/>
+              <a:t>Unsere Views basieren auf unseren</a:t>
+            </a:r>
+            <a:r>
+              <a:rPr lang="de-CH" baseline="0" dirty="0" smtClean="0"/>
+              <a:t> </a:t>
+            </a:r>
+            <a:r>
+              <a:rPr lang="de-CH" baseline="0" dirty="0" err="1" smtClean="0"/>
+              <a:t>Requirements</a:t>
+            </a:r>
+            <a:r>
+              <a:rPr lang="de-CH" baseline="0" dirty="0" smtClean="0"/>
+              <a:t>:</a:t>
+            </a:r>
+            <a:endParaRPr lang="en-US" baseline="0" dirty="0"/>
+          </a:p>
+          <a:p>
             <a:r>
               <a:rPr lang="de-CH" baseline="0" dirty="0"/>
-              <a:t> Views sind auf User </a:t>
-            </a:r>
-            <a:r>
-              <a:rPr lang="de-CH" baseline="0" dirty="0" err="1"/>
-              <a:t>Requirements</a:t>
+              <a:t>Wie definiert, </a:t>
+            </a:r>
+            <a:r>
+              <a:rPr lang="de-CH" baseline="0" dirty="0" smtClean="0"/>
+              <a:t>werden wir folgende </a:t>
             </a:r>
             <a:r>
               <a:rPr lang="de-CH" baseline="0" dirty="0"/>
-              <a:t> basieren</a:t>
-            </a:r>
-            <a:endParaRPr lang="en-US" baseline="0" dirty="0"/>
-          </a:p>
-          <a:p>
+              <a:t>F</a:t>
+            </a:r>
+            <a:r>
+              <a:rPr lang="de-CH" baseline="0" dirty="0" smtClean="0"/>
+              <a:t>unktionen </a:t>
+            </a:r>
             <a:r>
               <a:rPr lang="de-CH" baseline="0" dirty="0"/>
-              <a:t>Wie definiert, wir werden folgende </a:t>
-            </a:r>
-            <a:r>
-              <a:rPr lang="de-CH" baseline="0" dirty="0" err="1"/>
-              <a:t>funktionen</a:t>
-            </a:r>
-            <a:r>
-              <a:rPr lang="de-CH" baseline="0" dirty="0"/>
-              <a:t> implementieren:</a:t>
+              <a:t>implementieren:</a:t>
             </a:r>
           </a:p>
           <a:p>
@@ -1413,12 +1445,12 @@
               <a:t> </a:t>
             </a:r>
             <a:r>
-              <a:rPr lang="de-CH" baseline="0" dirty="0" err="1"/>
-              <a:t>Schlussel</a:t>
+              <a:rPr lang="de-CH" baseline="0" dirty="0" smtClean="0"/>
+              <a:t>Schlüssel </a:t>
             </a:r>
             <a:r>
               <a:rPr lang="de-CH" baseline="0" dirty="0"/>
-              <a:t> zu schneller Entwicklung</a:t>
+              <a:t>zu schneller Entwicklung</a:t>
             </a:r>
           </a:p>
           <a:p>
@@ -1438,44 +1470,36 @@
               <a:t> benutzt </a:t>
             </a:r>
             <a:r>
-              <a:rPr lang="de-CH" baseline="0" dirty="0" err="1"/>
-              <a:t>weden</a:t>
+              <a:rPr lang="de-CH" baseline="0" dirty="0" smtClean="0"/>
+              <a:t>werden kann.</a:t>
+            </a:r>
+          </a:p>
+          <a:p>
+            <a:r>
+              <a:rPr lang="de-CH" baseline="0" dirty="0" err="1" smtClean="0"/>
+              <a:t>Vaadin</a:t>
+            </a:r>
+            <a:r>
+              <a:rPr lang="de-CH" baseline="0" dirty="0" smtClean="0"/>
+              <a:t> wird uns mit seinen UI-Elementen mit dem </a:t>
+            </a:r>
+            <a:r>
+              <a:rPr lang="de-CH" baseline="0" dirty="0" err="1" smtClean="0"/>
+              <a:t>Responsive</a:t>
+            </a:r>
+            <a:r>
+              <a:rPr lang="de-CH" baseline="0" dirty="0" smtClean="0"/>
+              <a:t> Design </a:t>
+            </a:r>
+            <a:r>
+              <a:rPr lang="de-CH" baseline="0" dirty="0" err="1" smtClean="0"/>
+              <a:t>untersützten</a:t>
+            </a:r>
+            <a:r>
+              <a:rPr lang="de-CH" baseline="0" smtClean="0"/>
+              <a:t>.</a:t>
             </a:r>
             <a:endParaRPr lang="de-CH" baseline="0" dirty="0"/>
-          </a:p>
-          <a:p>
-            <a:r>
-              <a:rPr lang="de-CH" baseline="0" dirty="0" err="1"/>
-              <a:t>Vaadin</a:t>
-            </a:r>
-            <a:r>
-              <a:rPr lang="de-CH" baseline="0" dirty="0"/>
-              <a:t> hilft mit dem Bau des </a:t>
-            </a:r>
-            <a:r>
-              <a:rPr lang="de-CH" baseline="0" dirty="0" err="1"/>
-              <a:t>Responsive</a:t>
-            </a:r>
-            <a:r>
-              <a:rPr lang="de-CH" baseline="0" dirty="0"/>
-              <a:t> </a:t>
-            </a:r>
-            <a:r>
-              <a:rPr lang="de-CH" baseline="0" dirty="0" err="1"/>
-              <a:t>Designes</a:t>
-            </a:r>
-            <a:r>
-              <a:rPr lang="de-CH" baseline="0" dirty="0"/>
-              <a:t>, auf diesem Grund die </a:t>
-            </a:r>
-            <a:r>
-              <a:rPr lang="de-CH" baseline="0" dirty="0" err="1"/>
-              <a:t>Vaadin</a:t>
-            </a:r>
-            <a:r>
-              <a:rPr lang="de-CH" baseline="0" dirty="0"/>
-              <a:t> UI Elementen benutzt werden</a:t>
-            </a:r>
           </a:p>
         </p:txBody>
       </p:sp>
@@ -1831,14 +1855,14 @@
             <a:noFill/>
           </a:ln>
           <a:extLst>
-            <a:ext uri="{909E8E84-426E-40DD-AFC4-6F175D3DCCD1}">
+            <a:ext uri="{909E8E84-426E-40dd-AFC4-6F175D3DCCD1}">
               <a14:hiddenFill xmlns:a14="http://schemas.microsoft.com/office/drawing/2010/main">
                 <a:solidFill>
                   <a:srgbClr val="FFFFFF"/>
                 </a:solidFill>
               </a14:hiddenFill>
             </a:ext>
-            <a:ext uri="{91240B29-F687-4F45-9708-019B960494DF}">
+            <a:ext uri="{91240B29-F687-4f45-9708-019B960494DF}">
               <a14:hiddenLine xmlns:a14="http://schemas.microsoft.com/office/drawing/2010/main" w="9525">
                 <a:solidFill>
                   <a:srgbClr val="000000"/>
@@ -1891,9 +1915,17 @@
             <a:br>
               <a:rPr lang="de-DE" noProof="0" dirty="0"/>
             </a:br>
+            <a:r>
+              <a:rPr lang="de-DE" noProof="0" dirty="0"/>
+              <a:t/>
+            </a:r>
             <a:br>
               <a:rPr lang="de-DE" noProof="0" dirty="0"/>
             </a:br>
+            <a:r>
+              <a:rPr lang="de-DE" noProof="0" dirty="0"/>
+              <a:t/>
+            </a:r>
             <a:br>
               <a:rPr lang="de-DE" noProof="0" dirty="0"/>
             </a:br>
@@ -2939,7 +2971,7 @@
           <a:p>
             <a:fld id="{F19AE9A8-34D4-4E8C-BE9C-13C550F1BED0}" type="slidenum">
               <a:rPr lang="de-CH" smtClean="0"/>
-              <a:t>‹#›</a:t>
+              <a:t>‹Nr.›</a:t>
             </a:fld>
             <a:endParaRPr lang="de-CH" dirty="0"/>
           </a:p>
@@ -2992,7 +3024,7 @@
           <a:p>
             <a:fld id="{F19AE9A8-34D4-4E8C-BE9C-13C550F1BED0}" type="slidenum">
               <a:rPr lang="de-CH" smtClean="0"/>
-              <a:t>‹#›</a:t>
+              <a:t>‹Nr.›</a:t>
             </a:fld>
             <a:endParaRPr lang="de-CH" dirty="0"/>
           </a:p>
@@ -3297,14 +3329,14 @@
             <a:noFill/>
           </a:ln>
           <a:extLst>
-            <a:ext uri="{909E8E84-426E-40DD-AFC4-6F175D3DCCD1}">
+            <a:ext uri="{909E8E84-426E-40dd-AFC4-6F175D3DCCD1}">
               <a14:hiddenFill xmlns:a14="http://schemas.microsoft.com/office/drawing/2010/main">
                 <a:solidFill>
                   <a:srgbClr val="FFFFFF"/>
                 </a:solidFill>
               </a14:hiddenFill>
             </a:ext>
-            <a:ext uri="{91240B29-F687-4F45-9708-019B960494DF}">
+            <a:ext uri="{91240B29-F687-4f45-9708-019B960494DF}">
               <a14:hiddenLine xmlns:a14="http://schemas.microsoft.com/office/drawing/2010/main" w="9525">
                 <a:solidFill>
                   <a:srgbClr val="000000"/>
@@ -4021,7 +4053,7 @@
           <a:p>
             <a:fld id="{F19AE9A8-34D4-4E8C-BE9C-13C550F1BED0}" type="slidenum">
               <a:rPr lang="de-CH" smtClean="0"/>
-              <a:t>‹#›</a:t>
+              <a:t>‹Nr.›</a:t>
             </a:fld>
             <a:endParaRPr lang="de-CH" dirty="0"/>
           </a:p>
@@ -4409,7 +4441,7 @@
           <a:p>
             <a:fld id="{F19AE9A8-34D4-4E8C-BE9C-13C550F1BED0}" type="slidenum">
               <a:rPr lang="de-CH" smtClean="0"/>
-              <a:t>‹#›</a:t>
+              <a:t>‹Nr.›</a:t>
             </a:fld>
             <a:endParaRPr lang="de-CH" dirty="0"/>
           </a:p>
@@ -4635,7 +4667,7 @@
           <a:p>
             <a:fld id="{F19AE9A8-34D4-4E8C-BE9C-13C550F1BED0}" type="slidenum">
               <a:rPr lang="de-CH" smtClean="0"/>
-              <a:t>‹#›</a:t>
+              <a:t>‹Nr.›</a:t>
             </a:fld>
             <a:endParaRPr lang="de-CH" dirty="0"/>
           </a:p>
@@ -4935,7 +4967,7 @@
           <a:p>
             <a:fld id="{F19AE9A8-34D4-4E8C-BE9C-13C550F1BED0}" type="slidenum">
               <a:rPr lang="de-CH" smtClean="0"/>
-              <a:t>‹#›</a:t>
+              <a:t>‹Nr.›</a:t>
             </a:fld>
             <a:endParaRPr lang="de-CH" dirty="0"/>
           </a:p>
@@ -5457,7 +5489,7 @@
           <a:p>
             <a:fld id="{F19AE9A8-34D4-4E8C-BE9C-13C550F1BED0}" type="slidenum">
               <a:rPr lang="de-CH" smtClean="0"/>
-              <a:t>‹#›</a:t>
+              <a:t>‹Nr.›</a:t>
             </a:fld>
             <a:endParaRPr lang="de-CH" dirty="0"/>
           </a:p>
@@ -5979,7 +6011,7 @@
           <a:p>
             <a:fld id="{F19AE9A8-34D4-4E8C-BE9C-13C550F1BED0}" type="slidenum">
               <a:rPr lang="de-CH" smtClean="0"/>
-              <a:t>‹#›</a:t>
+              <a:t>‹Nr.›</a:t>
             </a:fld>
             <a:endParaRPr lang="de-CH" dirty="0"/>
           </a:p>
@@ -6705,7 +6737,7 @@
             <a:fld id="{F19AE9A8-34D4-4E8C-BE9C-13C550F1BED0}" type="slidenum">
               <a:rPr lang="de-CH" smtClean="0"/>
               <a:pPr/>
-              <a:t>‹#›</a:t>
+              <a:t>‹Nr.›</a:t>
             </a:fld>
             <a:endParaRPr lang="de-CH" dirty="0"/>
           </a:p>
@@ -6770,14 +6802,14 @@
             <a:noFill/>
           </a:ln>
           <a:extLst>
-            <a:ext uri="{909E8E84-426E-40DD-AFC4-6F175D3DCCD1}">
+            <a:ext uri="{909E8E84-426E-40dd-AFC4-6F175D3DCCD1}">
               <a14:hiddenFill xmlns:a14="http://schemas.microsoft.com/office/drawing/2010/main">
                 <a:solidFill>
                   <a:srgbClr val="FFFFFF"/>
                 </a:solidFill>
               </a14:hiddenFill>
             </a:ext>
-            <a:ext uri="{91240B29-F687-4F45-9708-019B960494DF}">
+            <a:ext uri="{91240B29-F687-4f45-9708-019B960494DF}">
               <a14:hiddenLine xmlns:a14="http://schemas.microsoft.com/office/drawing/2010/main" w="9525">
                 <a:solidFill>
                   <a:srgbClr val="000000"/>
@@ -7091,7 +7123,7 @@
             <a:fld id="{F19AE9A8-34D4-4E8C-BE9C-13C550F1BED0}" type="slidenum">
               <a:rPr lang="de-CH" smtClean="0"/>
               <a:pPr/>
-              <a:t>‹#›</a:t>
+              <a:t>‹Nr.›</a:t>
             </a:fld>
             <a:endParaRPr lang="de-CH" dirty="0"/>
           </a:p>
